--- a/02-bdsky/ncr-bdsky.pptx
+++ b/02-bdsky/ncr-bdsky.pptx
@@ -259,7 +259,7 @@
           <a:p>
             <a:fld id="{07FC39FB-50FB-134C-BA5B-FF054E914F03}" type="datetimeFigureOut">
               <a:rPr lang="en-US" smtClean="0"/>
-              <a:t>10/16/22</a:t>
+              <a:t>10/18/22</a:t>
             </a:fld>
             <a:endParaRPr lang="en-US"/>
           </a:p>
@@ -457,7 +457,7 @@
           <a:p>
             <a:fld id="{07FC39FB-50FB-134C-BA5B-FF054E914F03}" type="datetimeFigureOut">
               <a:rPr lang="en-US" smtClean="0"/>
-              <a:t>10/16/22</a:t>
+              <a:t>10/18/22</a:t>
             </a:fld>
             <a:endParaRPr lang="en-US"/>
           </a:p>
@@ -665,7 +665,7 @@
           <a:p>
             <a:fld id="{07FC39FB-50FB-134C-BA5B-FF054E914F03}" type="datetimeFigureOut">
               <a:rPr lang="en-US" smtClean="0"/>
-              <a:t>10/16/22</a:t>
+              <a:t>10/18/22</a:t>
             </a:fld>
             <a:endParaRPr lang="en-US"/>
           </a:p>
@@ -863,7 +863,7 @@
           <a:p>
             <a:fld id="{07FC39FB-50FB-134C-BA5B-FF054E914F03}" type="datetimeFigureOut">
               <a:rPr lang="en-US" smtClean="0"/>
-              <a:t>10/16/22</a:t>
+              <a:t>10/18/22</a:t>
             </a:fld>
             <a:endParaRPr lang="en-US"/>
           </a:p>
@@ -1138,7 +1138,7 @@
           <a:p>
             <a:fld id="{07FC39FB-50FB-134C-BA5B-FF054E914F03}" type="datetimeFigureOut">
               <a:rPr lang="en-US" smtClean="0"/>
-              <a:t>10/16/22</a:t>
+              <a:t>10/18/22</a:t>
             </a:fld>
             <a:endParaRPr lang="en-US"/>
           </a:p>
@@ -1403,7 +1403,7 @@
           <a:p>
             <a:fld id="{07FC39FB-50FB-134C-BA5B-FF054E914F03}" type="datetimeFigureOut">
               <a:rPr lang="en-US" smtClean="0"/>
-              <a:t>10/16/22</a:t>
+              <a:t>10/18/22</a:t>
             </a:fld>
             <a:endParaRPr lang="en-US"/>
           </a:p>
@@ -1815,7 +1815,7 @@
           <a:p>
             <a:fld id="{07FC39FB-50FB-134C-BA5B-FF054E914F03}" type="datetimeFigureOut">
               <a:rPr lang="en-US" smtClean="0"/>
-              <a:t>10/16/22</a:t>
+              <a:t>10/18/22</a:t>
             </a:fld>
             <a:endParaRPr lang="en-US"/>
           </a:p>
@@ -1956,7 +1956,7 @@
           <a:p>
             <a:fld id="{07FC39FB-50FB-134C-BA5B-FF054E914F03}" type="datetimeFigureOut">
               <a:rPr lang="en-US" smtClean="0"/>
-              <a:t>10/16/22</a:t>
+              <a:t>10/18/22</a:t>
             </a:fld>
             <a:endParaRPr lang="en-US"/>
           </a:p>
@@ -2069,7 +2069,7 @@
           <a:p>
             <a:fld id="{07FC39FB-50FB-134C-BA5B-FF054E914F03}" type="datetimeFigureOut">
               <a:rPr lang="en-US" smtClean="0"/>
-              <a:t>10/16/22</a:t>
+              <a:t>10/18/22</a:t>
             </a:fld>
             <a:endParaRPr lang="en-US"/>
           </a:p>
@@ -2380,7 +2380,7 @@
           <a:p>
             <a:fld id="{07FC39FB-50FB-134C-BA5B-FF054E914F03}" type="datetimeFigureOut">
               <a:rPr lang="en-US" smtClean="0"/>
-              <a:t>10/16/22</a:t>
+              <a:t>10/18/22</a:t>
             </a:fld>
             <a:endParaRPr lang="en-US"/>
           </a:p>
@@ -2668,7 +2668,7 @@
           <a:p>
             <a:fld id="{07FC39FB-50FB-134C-BA5B-FF054E914F03}" type="datetimeFigureOut">
               <a:rPr lang="en-US" smtClean="0"/>
-              <a:t>10/16/22</a:t>
+              <a:t>10/18/22</a:t>
             </a:fld>
             <a:endParaRPr lang="en-US"/>
           </a:p>
@@ -2909,7 +2909,7 @@
           <a:p>
             <a:fld id="{07FC39FB-50FB-134C-BA5B-FF054E914F03}" type="datetimeFigureOut">
               <a:rPr lang="en-US" smtClean="0"/>
-              <a:t>10/16/22</a:t>
+              <a:t>10/18/22</a:t>
             </a:fld>
             <a:endParaRPr lang="en-US"/>
           </a:p>
@@ -3326,6 +3326,36 @@
           <a:chExt cx="0" cy="0"/>
         </a:xfrm>
       </p:grpSpPr>
+      <p:pic>
+        <p:nvPicPr>
+          <p:cNvPr id="7" name="Picture 6">
+            <a:extLst>
+              <a:ext uri="{FF2B5EF4-FFF2-40B4-BE49-F238E27FC236}">
+                <a16:creationId xmlns:a16="http://schemas.microsoft.com/office/drawing/2014/main" id="{6CC3E542-B8A8-8C5F-148D-03C3C2ED6FA3}"/>
+              </a:ext>
+            </a:extLst>
+          </p:cNvPr>
+          <p:cNvPicPr>
+            <a:picLocks noChangeAspect="1"/>
+          </p:cNvPicPr>
+          <p:nvPr/>
+        </p:nvPicPr>
+        <p:blipFill>
+          <a:blip r:embed="rId2"/>
+          <a:stretch>
+            <a:fillRect/>
+          </a:stretch>
+        </p:blipFill>
+        <p:spPr>
+          <a:xfrm>
+            <a:off x="6530748" y="153513"/>
+            <a:ext cx="4252590" cy="3037564"/>
+          </a:xfrm>
+          <a:prstGeom prst="rect">
+            <a:avLst/>
+          </a:prstGeom>
+        </p:spPr>
+      </p:pic>
       <p:sp>
         <p:nvSpPr>
           <p:cNvPr id="10" name="TextBox 9">
@@ -3376,7 +3406,7 @@
           <p:nvPr/>
         </p:nvPicPr>
         <p:blipFill>
-          <a:blip r:embed="rId2"/>
+          <a:blip r:embed="rId3"/>
           <a:stretch>
             <a:fillRect/>
           </a:stretch>
@@ -3496,36 +3526,6 @@
           </a:p>
         </p:txBody>
       </p:sp>
-      <p:pic>
-        <p:nvPicPr>
-          <p:cNvPr id="11" name="Picture 10" descr="A picture containing logo&#10;&#10;Description automatically generated">
-            <a:extLst>
-              <a:ext uri="{FF2B5EF4-FFF2-40B4-BE49-F238E27FC236}">
-                <a16:creationId xmlns:a16="http://schemas.microsoft.com/office/drawing/2014/main" id="{6B524238-4DC0-0311-5768-02C621183A61}"/>
-              </a:ext>
-            </a:extLst>
-          </p:cNvPr>
-          <p:cNvPicPr>
-            <a:picLocks noChangeAspect="1"/>
-          </p:cNvPicPr>
-          <p:nvPr/>
-        </p:nvPicPr>
-        <p:blipFill>
-          <a:blip r:embed="rId3"/>
-          <a:stretch>
-            <a:fillRect/>
-          </a:stretch>
-        </p:blipFill>
-        <p:spPr>
-          <a:xfrm>
-            <a:off x="6453933" y="3519755"/>
-            <a:ext cx="4366476" cy="3118911"/>
-          </a:xfrm>
-          <a:prstGeom prst="rect">
-            <a:avLst/>
-          </a:prstGeom>
-        </p:spPr>
-      </p:pic>
       <p:sp>
         <p:nvSpPr>
           <p:cNvPr id="9" name="TextBox 8">
@@ -3668,10 +3668,10 @@
       </p:sp>
       <p:pic>
         <p:nvPicPr>
-          <p:cNvPr id="5" name="Picture 4" descr="Chart&#10;&#10;Description automatically generated">
-            <a:extLst>
-              <a:ext uri="{FF2B5EF4-FFF2-40B4-BE49-F238E27FC236}">
-                <a16:creationId xmlns:a16="http://schemas.microsoft.com/office/drawing/2014/main" id="{F9C0C33F-7F15-258E-8244-BE02613D5977}"/>
+          <p:cNvPr id="18" name="Picture 17">
+            <a:extLst>
+              <a:ext uri="{FF2B5EF4-FFF2-40B4-BE49-F238E27FC236}">
+                <a16:creationId xmlns:a16="http://schemas.microsoft.com/office/drawing/2014/main" id="{7990B774-2A28-5083-B999-A3C43FAD2921}"/>
               </a:ext>
             </a:extLst>
           </p:cNvPr>
@@ -3688,8 +3688,8 @@
         </p:blipFill>
         <p:spPr>
           <a:xfrm>
-            <a:off x="6541849" y="156654"/>
-            <a:ext cx="4252590" cy="3037564"/>
+            <a:off x="6446726" y="3455981"/>
+            <a:ext cx="4439576" cy="3171126"/>
           </a:xfrm>
           <a:prstGeom prst="rect">
             <a:avLst/>
@@ -3698,10 +3698,10 @@
       </p:pic>
       <p:pic>
         <p:nvPicPr>
-          <p:cNvPr id="8" name="Picture 7" descr="Chart&#10;&#10;Description automatically generated">
-            <a:extLst>
-              <a:ext uri="{FF2B5EF4-FFF2-40B4-BE49-F238E27FC236}">
-                <a16:creationId xmlns:a16="http://schemas.microsoft.com/office/drawing/2014/main" id="{6EC7D68B-37D1-F759-D108-2C4EB3E303AC}"/>
+          <p:cNvPr id="21" name="Picture 20">
+            <a:extLst>
+              <a:ext uri="{FF2B5EF4-FFF2-40B4-BE49-F238E27FC236}">
+                <a16:creationId xmlns:a16="http://schemas.microsoft.com/office/drawing/2014/main" id="{3CFAE855-2DDE-1C50-DD56-030152355864}"/>
               </a:ext>
             </a:extLst>
           </p:cNvPr>
@@ -3718,8 +3718,8 @@
         </p:blipFill>
         <p:spPr>
           <a:xfrm>
-            <a:off x="1442241" y="3328106"/>
-            <a:ext cx="4298915" cy="3070654"/>
+            <a:off x="1442242" y="3328107"/>
+            <a:ext cx="4298916" cy="3070654"/>
           </a:xfrm>
           <a:prstGeom prst="rect">
             <a:avLst/>

--- a/02-bdsky/ncr-bdsky.pptx
+++ b/02-bdsky/ncr-bdsky.pptx
@@ -259,7 +259,7 @@
           <a:p>
             <a:fld id="{07FC39FB-50FB-134C-BA5B-FF054E914F03}" type="datetimeFigureOut">
               <a:rPr lang="en-US" smtClean="0"/>
-              <a:t>10/18/22</a:t>
+              <a:t>1/18/23</a:t>
             </a:fld>
             <a:endParaRPr lang="en-US"/>
           </a:p>
@@ -457,7 +457,7 @@
           <a:p>
             <a:fld id="{07FC39FB-50FB-134C-BA5B-FF054E914F03}" type="datetimeFigureOut">
               <a:rPr lang="en-US" smtClean="0"/>
-              <a:t>10/18/22</a:t>
+              <a:t>1/18/23</a:t>
             </a:fld>
             <a:endParaRPr lang="en-US"/>
           </a:p>
@@ -665,7 +665,7 @@
           <a:p>
             <a:fld id="{07FC39FB-50FB-134C-BA5B-FF054E914F03}" type="datetimeFigureOut">
               <a:rPr lang="en-US" smtClean="0"/>
-              <a:t>10/18/22</a:t>
+              <a:t>1/18/23</a:t>
             </a:fld>
             <a:endParaRPr lang="en-US"/>
           </a:p>
@@ -863,7 +863,7 @@
           <a:p>
             <a:fld id="{07FC39FB-50FB-134C-BA5B-FF054E914F03}" type="datetimeFigureOut">
               <a:rPr lang="en-US" smtClean="0"/>
-              <a:t>10/18/22</a:t>
+              <a:t>1/18/23</a:t>
             </a:fld>
             <a:endParaRPr lang="en-US"/>
           </a:p>
@@ -1138,7 +1138,7 @@
           <a:p>
             <a:fld id="{07FC39FB-50FB-134C-BA5B-FF054E914F03}" type="datetimeFigureOut">
               <a:rPr lang="en-US" smtClean="0"/>
-              <a:t>10/18/22</a:t>
+              <a:t>1/18/23</a:t>
             </a:fld>
             <a:endParaRPr lang="en-US"/>
           </a:p>
@@ -1403,7 +1403,7 @@
           <a:p>
             <a:fld id="{07FC39FB-50FB-134C-BA5B-FF054E914F03}" type="datetimeFigureOut">
               <a:rPr lang="en-US" smtClean="0"/>
-              <a:t>10/18/22</a:t>
+              <a:t>1/18/23</a:t>
             </a:fld>
             <a:endParaRPr lang="en-US"/>
           </a:p>
@@ -1815,7 +1815,7 @@
           <a:p>
             <a:fld id="{07FC39FB-50FB-134C-BA5B-FF054E914F03}" type="datetimeFigureOut">
               <a:rPr lang="en-US" smtClean="0"/>
-              <a:t>10/18/22</a:t>
+              <a:t>1/18/23</a:t>
             </a:fld>
             <a:endParaRPr lang="en-US"/>
           </a:p>
@@ -1956,7 +1956,7 @@
           <a:p>
             <a:fld id="{07FC39FB-50FB-134C-BA5B-FF054E914F03}" type="datetimeFigureOut">
               <a:rPr lang="en-US" smtClean="0"/>
-              <a:t>10/18/22</a:t>
+              <a:t>1/18/23</a:t>
             </a:fld>
             <a:endParaRPr lang="en-US"/>
           </a:p>
@@ -2069,7 +2069,7 @@
           <a:p>
             <a:fld id="{07FC39FB-50FB-134C-BA5B-FF054E914F03}" type="datetimeFigureOut">
               <a:rPr lang="en-US" smtClean="0"/>
-              <a:t>10/18/22</a:t>
+              <a:t>1/18/23</a:t>
             </a:fld>
             <a:endParaRPr lang="en-US"/>
           </a:p>
@@ -2380,7 +2380,7 @@
           <a:p>
             <a:fld id="{07FC39FB-50FB-134C-BA5B-FF054E914F03}" type="datetimeFigureOut">
               <a:rPr lang="en-US" smtClean="0"/>
-              <a:t>10/18/22</a:t>
+              <a:t>1/18/23</a:t>
             </a:fld>
             <a:endParaRPr lang="en-US"/>
           </a:p>
@@ -2668,7 +2668,7 @@
           <a:p>
             <a:fld id="{07FC39FB-50FB-134C-BA5B-FF054E914F03}" type="datetimeFigureOut">
               <a:rPr lang="en-US" smtClean="0"/>
-              <a:t>10/18/22</a:t>
+              <a:t>1/18/23</a:t>
             </a:fld>
             <a:endParaRPr lang="en-US"/>
           </a:p>
@@ -2909,7 +2909,7 @@
           <a:p>
             <a:fld id="{07FC39FB-50FB-134C-BA5B-FF054E914F03}" type="datetimeFigureOut">
               <a:rPr lang="en-US" smtClean="0"/>
-              <a:t>10/18/22</a:t>
+              <a:t>1/18/23</a:t>
             </a:fld>
             <a:endParaRPr lang="en-US"/>
           </a:p>
@@ -3348,7 +3348,7 @@
         </p:blipFill>
         <p:spPr>
           <a:xfrm>
-            <a:off x="6530748" y="153513"/>
+            <a:off x="6530748" y="-24714"/>
             <a:ext cx="4252590" cy="3037564"/>
           </a:xfrm>
           <a:prstGeom prst="rect">
@@ -3370,7 +3370,7 @@
         </p:nvSpPr>
         <p:spPr>
           <a:xfrm>
-            <a:off x="1054444" y="123564"/>
+            <a:off x="1054444" y="44192"/>
             <a:ext cx="506627" cy="369332"/>
           </a:xfrm>
           <a:prstGeom prst="rect">
@@ -3413,7 +3413,7 @@
         </p:blipFill>
         <p:spPr>
           <a:xfrm>
-            <a:off x="1458921" y="123563"/>
+            <a:off x="1458921" y="390180"/>
             <a:ext cx="4252591" cy="3037565"/>
           </a:xfrm>
           <a:prstGeom prst="rect">
@@ -3435,7 +3435,7 @@
         </p:nvSpPr>
         <p:spPr>
           <a:xfrm>
-            <a:off x="6280940" y="123564"/>
+            <a:off x="6280940" y="44192"/>
             <a:ext cx="506627" cy="369332"/>
           </a:xfrm>
           <a:prstGeom prst="rect">
@@ -3470,7 +3470,7 @@
         </p:nvSpPr>
         <p:spPr>
           <a:xfrm>
-            <a:off x="1054443" y="3429000"/>
+            <a:off x="1054443" y="3695617"/>
             <a:ext cx="506627" cy="369332"/>
           </a:xfrm>
           <a:prstGeom prst="rect">
@@ -3505,7 +3505,7 @@
         </p:nvSpPr>
         <p:spPr>
           <a:xfrm>
-            <a:off x="2317072" y="257452"/>
+            <a:off x="2317072" y="524069"/>
             <a:ext cx="532660" cy="261610"/>
           </a:xfrm>
           <a:prstGeom prst="rect">
@@ -3540,7 +3540,7 @@
         </p:nvSpPr>
         <p:spPr>
           <a:xfrm>
-            <a:off x="3524984" y="257452"/>
+            <a:off x="3524984" y="524069"/>
             <a:ext cx="532660" cy="261610"/>
           </a:xfrm>
           <a:prstGeom prst="rect">
@@ -3575,7 +3575,7 @@
         </p:nvSpPr>
         <p:spPr>
           <a:xfrm>
-            <a:off x="4848031" y="257452"/>
+            <a:off x="4848031" y="524069"/>
             <a:ext cx="532660" cy="261610"/>
           </a:xfrm>
           <a:prstGeom prst="rect">
@@ -3610,7 +3610,7 @@
         </p:nvSpPr>
         <p:spPr>
           <a:xfrm rot="16200000">
-            <a:off x="4068689" y="227540"/>
+            <a:off x="4068689" y="494157"/>
             <a:ext cx="740725" cy="261610"/>
           </a:xfrm>
           <a:prstGeom prst="rect">
@@ -3645,7 +3645,7 @@
         </p:nvSpPr>
         <p:spPr>
           <a:xfrm>
-            <a:off x="6227176" y="3429000"/>
+            <a:off x="6227176" y="3695617"/>
             <a:ext cx="506627" cy="369332"/>
           </a:xfrm>
           <a:prstGeom prst="rect">
@@ -3688,7 +3688,7 @@
         </p:blipFill>
         <p:spPr>
           <a:xfrm>
-            <a:off x="6446726" y="3455981"/>
+            <a:off x="6446726" y="3722598"/>
             <a:ext cx="4439576" cy="3171126"/>
           </a:xfrm>
           <a:prstGeom prst="rect">
@@ -3718,7 +3718,7 @@
         </p:blipFill>
         <p:spPr>
           <a:xfrm>
-            <a:off x="1442242" y="3328107"/>
+            <a:off x="1442242" y="3594724"/>
             <a:ext cx="4298916" cy="3070654"/>
           </a:xfrm>
           <a:prstGeom prst="rect">
